--- a/Final Presentation.pptx
+++ b/Final Presentation.pptx
@@ -5,15 +5,16 @@
     <p:sldMasterId id="2147483648" r:id="rId1"/>
   </p:sldMasterIdLst>
   <p:notesMasterIdLst>
-    <p:notesMasterId r:id="rId8"/>
+    <p:notesMasterId r:id="rId9"/>
   </p:notesMasterIdLst>
   <p:sldIdLst>
-    <p:sldId id="256" r:id="rId2"/>
+    <p:sldId id="262" r:id="rId2"/>
     <p:sldId id="259" r:id="rId3"/>
     <p:sldId id="257" r:id="rId4"/>
     <p:sldId id="258" r:id="rId5"/>
     <p:sldId id="260" r:id="rId6"/>
     <p:sldId id="261" r:id="rId7"/>
+    <p:sldId id="263" r:id="rId8"/>
   </p:sldIdLst>
   <p:sldSz cx="12192000" cy="6858000"/>
   <p:notesSz cx="6858000" cy="9144000"/>
@@ -4330,50 +4331,184 @@
           <p:cNvPr id="2" name="Title 1">
             <a:extLst>
               <a:ext uri="{FF2B5EF4-FFF2-40B4-BE49-F238E27FC236}">
-                <a16:creationId xmlns:a16="http://schemas.microsoft.com/office/drawing/2014/main" id="{ED9E2570-E717-44CD-B332-27BFAB85B27D}"/>
-              </a:ext>
-            </a:extLst>
-          </p:cNvPr>
-          <p:cNvSpPr>
-            <a:spLocks noGrp="1"/>
-          </p:cNvSpPr>
-          <p:nvPr>
-            <p:ph type="ctrTitle"/>
-          </p:nvPr>
-        </p:nvSpPr>
-        <p:spPr/>
-        <p:txBody>
-          <a:bodyPr/>
-          <a:lstStyle/>
-          <a:p>
-            <a:endParaRPr lang="en-US" dirty="0"/>
-          </a:p>
-        </p:txBody>
-      </p:sp>
-      <p:sp>
-        <p:nvSpPr>
-          <p:cNvPr id="3" name="Subtitle 2">
-            <a:extLst>
-              <a:ext uri="{FF2B5EF4-FFF2-40B4-BE49-F238E27FC236}">
-                <a16:creationId xmlns:a16="http://schemas.microsoft.com/office/drawing/2014/main" id="{8AB150EA-C73E-43D1-B4DF-F03242616216}"/>
-              </a:ext>
-            </a:extLst>
-          </p:cNvPr>
-          <p:cNvSpPr>
-            <a:spLocks noGrp="1"/>
-          </p:cNvSpPr>
-          <p:nvPr>
-            <p:ph type="subTitle" idx="1"/>
-          </p:nvPr>
-        </p:nvSpPr>
-        <p:spPr/>
+                <a16:creationId xmlns:a16="http://schemas.microsoft.com/office/drawing/2014/main" id="{B26A22B0-8BB3-467A-A52D-2BB58F00DAEC}"/>
+              </a:ext>
+            </a:extLst>
+          </p:cNvPr>
+          <p:cNvSpPr>
+            <a:spLocks noGrp="1"/>
+          </p:cNvSpPr>
+          <p:nvPr>
+            <p:ph type="title"/>
+          </p:nvPr>
+        </p:nvSpPr>
+        <p:spPr>
+          <a:xfrm>
+            <a:off x="1099627" y="458051"/>
+            <a:ext cx="9992745" cy="719550"/>
+          </a:xfrm>
+        </p:spPr>
+        <p:txBody>
+          <a:bodyPr>
+            <a:normAutofit fontScale="90000"/>
+          </a:bodyPr>
+          <a:lstStyle/>
+          <a:p>
+            <a:pPr algn="ctr"/>
+            <a:r>
+              <a:rPr lang="en-US" sz="3600" dirty="0"/>
+              <a:t>Major League Baseball Dataset</a:t>
+            </a:r>
+            <a:br>
+              <a:rPr lang="en-US" sz="3600" dirty="0"/>
+            </a:br>
+            <a:r>
+              <a:rPr lang="en-US" sz="1400" dirty="0"/>
+              <a:t>Michael </a:t>
+            </a:r>
+            <a:r>
+              <a:rPr lang="en-US" sz="1400" dirty="0" err="1"/>
+              <a:t>Jagdharry</a:t>
+            </a:r>
+            <a:r>
+              <a:rPr lang="en-US" sz="1400" dirty="0"/>
+              <a:t> and Nicholas Weidner</a:t>
+            </a:r>
+            <a:endParaRPr lang="en-US" sz="3600" dirty="0"/>
+          </a:p>
+        </p:txBody>
+      </p:sp>
+      <p:pic>
+        <p:nvPicPr>
+          <p:cNvPr id="6" name="Content Placeholder 5">
+            <a:extLst>
+              <a:ext uri="{FF2B5EF4-FFF2-40B4-BE49-F238E27FC236}">
+                <a16:creationId xmlns:a16="http://schemas.microsoft.com/office/drawing/2014/main" id="{F5D1C09F-CA63-4952-A1E8-9BCD156DCD4C}"/>
+              </a:ext>
+            </a:extLst>
+          </p:cNvPr>
+          <p:cNvPicPr>
+            <a:picLocks noGrp="1" noChangeAspect="1"/>
+          </p:cNvPicPr>
+          <p:nvPr>
+            <p:ph idx="1"/>
+          </p:nvPr>
+        </p:nvPicPr>
+        <p:blipFill>
+          <a:blip r:embed="rId2">
+            <a:extLst>
+              <a:ext uri="{28A0092B-C50C-407E-A947-70E740481C1C}">
+                <a14:useLocalDpi xmlns:a14="http://schemas.microsoft.com/office/drawing/2010/main" val="0"/>
+              </a:ext>
+            </a:extLst>
+          </a:blip>
+          <a:stretch>
+            <a:fillRect/>
+          </a:stretch>
+        </p:blipFill>
+        <p:spPr>
+          <a:xfrm>
+            <a:off x="5236627" y="2042054"/>
+            <a:ext cx="6172200" cy="3726269"/>
+          </a:xfrm>
+        </p:spPr>
+      </p:pic>
+      <p:sp>
+        <p:nvSpPr>
+          <p:cNvPr id="4" name="Text Placeholder 3">
+            <a:extLst>
+              <a:ext uri="{FF2B5EF4-FFF2-40B4-BE49-F238E27FC236}">
+                <a16:creationId xmlns:a16="http://schemas.microsoft.com/office/drawing/2014/main" id="{0468EE15-E1D6-4459-A96D-B7A3F58FA02A}"/>
+              </a:ext>
+            </a:extLst>
+          </p:cNvPr>
+          <p:cNvSpPr>
+            <a:spLocks noGrp="1"/>
+          </p:cNvSpPr>
+          <p:nvPr>
+            <p:ph type="body" sz="half" idx="2"/>
+          </p:nvPr>
+        </p:nvSpPr>
+        <p:spPr>
+          <a:xfrm>
+            <a:off x="783173" y="1531803"/>
+            <a:ext cx="3932237" cy="4746770"/>
+          </a:xfrm>
+        </p:spPr>
         <p:txBody>
           <a:bodyPr/>
           <a:lstStyle/>
           <a:p>
             <a:r>
               <a:rPr lang="en-US" dirty="0"/>
-              <a:t>By Nicholas Weidner and Michael Jagdharry</a:t>
+              <a:t>Data Gathered from:</a:t>
+            </a:r>
+            <a:br>
+              <a:rPr lang="en-US" dirty="0"/>
+            </a:br>
+            <a:r>
+              <a:rPr lang="en-US" dirty="0"/>
+              <a:t> </a:t>
+            </a:r>
+            <a:r>
+              <a:rPr lang="en-US" i="1" dirty="0"/>
+              <a:t>www.baseball-reference.com</a:t>
+            </a:r>
+          </a:p>
+          <a:p>
+            <a:r>
+              <a:rPr lang="en-US" dirty="0"/>
+              <a:t>2004-2019 seasons for all 30 teams</a:t>
+            </a:r>
+          </a:p>
+          <a:p>
+            <a:r>
+              <a:rPr lang="en-US" dirty="0"/>
+              <a:t>N = 480</a:t>
+            </a:r>
+          </a:p>
+          <a:p>
+            <a:r>
+              <a:rPr lang="en-US" dirty="0"/>
+              <a:t>P = 43</a:t>
+            </a:r>
+          </a:p>
+          <a:p>
+            <a:r>
+              <a:rPr lang="en-US" dirty="0"/>
+              <a:t>Response Variable: Wins per season</a:t>
+            </a:r>
+          </a:p>
+          <a:p>
+            <a:r>
+              <a:rPr lang="en-US" dirty="0"/>
+              <a:t>Min:	51 Wins</a:t>
+            </a:r>
+            <a:br>
+              <a:rPr lang="en-US" dirty="0"/>
+            </a:br>
+            <a:r>
+              <a:rPr lang="en-US" dirty="0"/>
+              <a:t>Max:	113 Wins</a:t>
+            </a:r>
+            <a:br>
+              <a:rPr lang="en-US" dirty="0"/>
+            </a:br>
+            <a:r>
+              <a:rPr lang="en-US" dirty="0"/>
+              <a:t>Mean:	80.89 Wins</a:t>
+            </a:r>
+          </a:p>
+          <a:p>
+            <a:r>
+              <a:rPr lang="en-US" dirty="0"/>
+              <a:t>Includes Hitting and Fielding statistics such as: Batting Average, fielding percentage, runs, home runs and errors.</a:t>
+            </a:r>
+          </a:p>
+          <a:p>
+            <a:r>
+              <a:rPr lang="en-US" dirty="0"/>
+              <a:t>Wins calculated from Wins Above Average</a:t>
             </a:r>
           </a:p>
         </p:txBody>
@@ -4381,7 +4516,7 @@
     </p:spTree>
     <p:extLst>
       <p:ext uri="{BB962C8B-B14F-4D97-AF65-F5344CB8AC3E}">
-        <p14:creationId xmlns:p14="http://schemas.microsoft.com/office/powerpoint/2010/main" val="2487619463"/>
+        <p14:creationId xmlns:p14="http://schemas.microsoft.com/office/powerpoint/2010/main" val="1775320553"/>
       </p:ext>
     </p:extLst>
   </p:cSld>
@@ -4884,6 +5019,111 @@
     <p:extLst>
       <p:ext uri="{BB962C8B-B14F-4D97-AF65-F5344CB8AC3E}">
         <p14:creationId xmlns:p14="http://schemas.microsoft.com/office/powerpoint/2010/main" val="3148175714"/>
+      </p:ext>
+    </p:extLst>
+  </p:cSld>
+  <p:clrMapOvr>
+    <a:masterClrMapping/>
+  </p:clrMapOvr>
+</p:sld>
+</file>
+
+<file path=ppt/slides/slide7.xml><?xml version="1.0" encoding="utf-8"?>
+<p:sld xmlns:a="http://schemas.openxmlformats.org/drawingml/2006/main" xmlns:r="http://schemas.openxmlformats.org/officeDocument/2006/relationships" xmlns:p="http://schemas.openxmlformats.org/presentationml/2006/main">
+  <p:cSld>
+    <p:spTree>
+      <p:nvGrpSpPr>
+        <p:cNvPr id="1" name=""/>
+        <p:cNvGrpSpPr/>
+        <p:nvPr/>
+      </p:nvGrpSpPr>
+      <p:grpSpPr>
+        <a:xfrm>
+          <a:off x="0" y="0"/>
+          <a:ext cx="0" cy="0"/>
+          <a:chOff x="0" y="0"/>
+          <a:chExt cx="0" cy="0"/>
+        </a:xfrm>
+      </p:grpSpPr>
+      <p:sp>
+        <p:nvSpPr>
+          <p:cNvPr id="2" name="Title 1">
+            <a:extLst>
+              <a:ext uri="{FF2B5EF4-FFF2-40B4-BE49-F238E27FC236}">
+                <a16:creationId xmlns:a16="http://schemas.microsoft.com/office/drawing/2014/main" id="{4008740E-0B13-4D8E-8B28-911861087254}"/>
+              </a:ext>
+            </a:extLst>
+          </p:cNvPr>
+          <p:cNvSpPr>
+            <a:spLocks noGrp="1"/>
+          </p:cNvSpPr>
+          <p:nvPr>
+            <p:ph type="title"/>
+          </p:nvPr>
+        </p:nvSpPr>
+        <p:spPr/>
+        <p:txBody>
+          <a:bodyPr/>
+          <a:lstStyle/>
+          <a:p>
+            <a:pPr algn="ctr"/>
+            <a:r>
+              <a:rPr lang="en-US" dirty="0"/>
+              <a:t>Concluding Remarks</a:t>
+            </a:r>
+          </a:p>
+        </p:txBody>
+      </p:sp>
+      <p:sp>
+        <p:nvSpPr>
+          <p:cNvPr id="3" name="Content Placeholder 2">
+            <a:extLst>
+              <a:ext uri="{FF2B5EF4-FFF2-40B4-BE49-F238E27FC236}">
+                <a16:creationId xmlns:a16="http://schemas.microsoft.com/office/drawing/2014/main" id="{DB226006-A250-4BE8-8CFD-25FBB91667CA}"/>
+              </a:ext>
+            </a:extLst>
+          </p:cNvPr>
+          <p:cNvSpPr>
+            <a:spLocks noGrp="1"/>
+          </p:cNvSpPr>
+          <p:nvPr>
+            <p:ph idx="1"/>
+          </p:nvPr>
+        </p:nvSpPr>
+        <p:spPr/>
+        <p:txBody>
+          <a:bodyPr/>
+          <a:lstStyle/>
+          <a:p>
+            <a:r>
+              <a:rPr lang="en-US" dirty="0"/>
+              <a:t>For this data set cross validation is preferable to random forest for the accuracy and time issues previously noted</a:t>
+            </a:r>
+          </a:p>
+          <a:p>
+            <a:endParaRPr lang="en-US" dirty="0"/>
+          </a:p>
+          <a:p>
+            <a:r>
+              <a:rPr lang="en-US" dirty="0"/>
+              <a:t>Maximizing team wins is a combination of minimizing opponents runs and maximizing runs for your team</a:t>
+            </a:r>
+          </a:p>
+          <a:p>
+            <a:endParaRPr lang="en-US" dirty="0"/>
+          </a:p>
+          <a:p>
+            <a:r>
+              <a:rPr lang="en-US" dirty="0"/>
+              <a:t>Further analysis could look into how individual players contribute to each of these factors which have been identified as important for maximizing wins in order to select a team which is more likely to win</a:t>
+            </a:r>
+          </a:p>
+        </p:txBody>
+      </p:sp>
+    </p:spTree>
+    <p:extLst>
+      <p:ext uri="{BB962C8B-B14F-4D97-AF65-F5344CB8AC3E}">
+        <p14:creationId xmlns:p14="http://schemas.microsoft.com/office/powerpoint/2010/main" val="2177879062"/>
       </p:ext>
     </p:extLst>
   </p:cSld>

--- a/Final Presentation.pptx
+++ b/Final Presentation.pptx
@@ -5097,7 +5097,15 @@
           <a:p>
             <a:r>
               <a:rPr lang="en-US" dirty="0"/>
-              <a:t>For this data set cross validation is preferable to random forest for the accuracy and time issues previously noted</a:t>
+              <a:t>For this data </a:t>
+            </a:r>
+            <a:r>
+              <a:rPr lang="en-US"/>
+              <a:t>set regularization is </a:t>
+            </a:r>
+            <a:r>
+              <a:rPr lang="en-US" dirty="0"/>
+              <a:t>preferable to random forest for the accuracy and time issues previously noted</a:t>
             </a:r>
           </a:p>
           <a:p>
